--- a/ppt 16-9/1524.主耶稣祢是爱.pptx
+++ b/ppt 16-9/1524.主耶稣祢是爱.pptx
@@ -129,7 +129,7 @@
           <p:cNvPr id="2" name="标题 1">
             <a:extLst>
               <a:ext uri="{FF2B5EF4-FFF2-40B4-BE49-F238E27FC236}">
-                <a16:creationId xmlns:a16="http://schemas.microsoft.com/office/drawing/2014/main" id="{DFC997A1-6398-E4D6-D718-0A5FA6558848}"/>
+                <a16:creationId xmlns:a16="http://schemas.microsoft.com/office/drawing/2014/main" id="{97509F54-8A97-4DEB-A3E4-7DE205ADA170}"/>
               </a:ext>
             </a:extLst>
           </p:cNvPr>
@@ -166,7 +166,7 @@
           <p:cNvPr id="3" name="副标题 2">
             <a:extLst>
               <a:ext uri="{FF2B5EF4-FFF2-40B4-BE49-F238E27FC236}">
-                <a16:creationId xmlns:a16="http://schemas.microsoft.com/office/drawing/2014/main" id="{46B85751-8BEC-76CE-A693-772377FC6126}"/>
+                <a16:creationId xmlns:a16="http://schemas.microsoft.com/office/drawing/2014/main" id="{2844596B-C267-FB02-9C90-C31D1861289B}"/>
               </a:ext>
             </a:extLst>
           </p:cNvPr>
@@ -236,7 +236,7 @@
           <p:cNvPr id="4" name="日期占位符 3">
             <a:extLst>
               <a:ext uri="{FF2B5EF4-FFF2-40B4-BE49-F238E27FC236}">
-                <a16:creationId xmlns:a16="http://schemas.microsoft.com/office/drawing/2014/main" id="{927CF3D7-D65D-9E8B-97FA-021BDBBA4896}"/>
+                <a16:creationId xmlns:a16="http://schemas.microsoft.com/office/drawing/2014/main" id="{F6639EBE-0F43-F0A8-A2C8-636403C603EF}"/>
               </a:ext>
             </a:extLst>
           </p:cNvPr>
@@ -252,7 +252,7 @@
           <a:bodyPr/>
           <a:lstStyle/>
           <a:p>
-            <a:fld id="{9C9DD035-994F-444A-A1AE-90834F27C94B}" type="datetimeFigureOut">
+            <a:fld id="{186F5584-0275-48BD-9A95-F23F656AF6FB}" type="datetimeFigureOut">
               <a:rPr lang="zh-CN" altLang="en-US" smtClean="0"/>
               <a:t>2024/3/10</a:t>
             </a:fld>
@@ -265,7 +265,7 @@
           <p:cNvPr id="5" name="页脚占位符 4">
             <a:extLst>
               <a:ext uri="{FF2B5EF4-FFF2-40B4-BE49-F238E27FC236}">
-                <a16:creationId xmlns:a16="http://schemas.microsoft.com/office/drawing/2014/main" id="{FEF31887-2983-A16F-614F-D718BC56A8E6}"/>
+                <a16:creationId xmlns:a16="http://schemas.microsoft.com/office/drawing/2014/main" id="{94571776-358E-3090-15AA-86C40964F66E}"/>
               </a:ext>
             </a:extLst>
           </p:cNvPr>
@@ -290,7 +290,7 @@
           <p:cNvPr id="6" name="灯片编号占位符 5">
             <a:extLst>
               <a:ext uri="{FF2B5EF4-FFF2-40B4-BE49-F238E27FC236}">
-                <a16:creationId xmlns:a16="http://schemas.microsoft.com/office/drawing/2014/main" id="{3E266AEB-B433-1E35-3FE6-BF07790717DC}"/>
+                <a16:creationId xmlns:a16="http://schemas.microsoft.com/office/drawing/2014/main" id="{36664639-A315-F8E3-1455-EBEBE985190E}"/>
               </a:ext>
             </a:extLst>
           </p:cNvPr>
@@ -306,7 +306,7 @@
           <a:bodyPr/>
           <a:lstStyle/>
           <a:p>
-            <a:fld id="{AE17E72A-53F7-4717-A9FC-6E06C6FEBEEA}" type="slidenum">
+            <a:fld id="{44C2BB9E-13BF-49D3-962E-21382A8551F2}" type="slidenum">
               <a:rPr lang="zh-CN" altLang="en-US" smtClean="0"/>
               <a:t>‹#›</a:t>
             </a:fld>
@@ -317,7 +317,7 @@
     </p:spTree>
     <p:extLst>
       <p:ext uri="{BB962C8B-B14F-4D97-AF65-F5344CB8AC3E}">
-        <p14:creationId xmlns:p14="http://schemas.microsoft.com/office/powerpoint/2010/main" val="532469299"/>
+        <p14:creationId xmlns:p14="http://schemas.microsoft.com/office/powerpoint/2010/main" val="2361378850"/>
       </p:ext>
     </p:extLst>
   </p:cSld>
@@ -349,7 +349,7 @@
           <p:cNvPr id="2" name="标题 1">
             <a:extLst>
               <a:ext uri="{FF2B5EF4-FFF2-40B4-BE49-F238E27FC236}">
-                <a16:creationId xmlns:a16="http://schemas.microsoft.com/office/drawing/2014/main" id="{DF8B1FD7-3B72-78AF-69EF-6847BEDEE90A}"/>
+                <a16:creationId xmlns:a16="http://schemas.microsoft.com/office/drawing/2014/main" id="{AF999BF8-5C81-0B5D-1C3A-D52A156FC860}"/>
               </a:ext>
             </a:extLst>
           </p:cNvPr>
@@ -377,7 +377,7 @@
           <p:cNvPr id="3" name="竖排文字占位符 2">
             <a:extLst>
               <a:ext uri="{FF2B5EF4-FFF2-40B4-BE49-F238E27FC236}">
-                <a16:creationId xmlns:a16="http://schemas.microsoft.com/office/drawing/2014/main" id="{6C1D99F7-BAF4-6FD5-96DD-5D7C2F94EDB3}"/>
+                <a16:creationId xmlns:a16="http://schemas.microsoft.com/office/drawing/2014/main" id="{3A33EF49-3C4F-97D0-5323-7FF7C63E879C}"/>
               </a:ext>
             </a:extLst>
           </p:cNvPr>
@@ -434,7 +434,7 @@
           <p:cNvPr id="4" name="日期占位符 3">
             <a:extLst>
               <a:ext uri="{FF2B5EF4-FFF2-40B4-BE49-F238E27FC236}">
-                <a16:creationId xmlns:a16="http://schemas.microsoft.com/office/drawing/2014/main" id="{23B3D631-5551-5113-1EAC-58BE9CF595C0}"/>
+                <a16:creationId xmlns:a16="http://schemas.microsoft.com/office/drawing/2014/main" id="{00C4E079-B77D-1EE6-C3E2-F41E7ABBA7ED}"/>
               </a:ext>
             </a:extLst>
           </p:cNvPr>
@@ -450,7 +450,7 @@
           <a:bodyPr/>
           <a:lstStyle/>
           <a:p>
-            <a:fld id="{9C9DD035-994F-444A-A1AE-90834F27C94B}" type="datetimeFigureOut">
+            <a:fld id="{186F5584-0275-48BD-9A95-F23F656AF6FB}" type="datetimeFigureOut">
               <a:rPr lang="zh-CN" altLang="en-US" smtClean="0"/>
               <a:t>2024/3/10</a:t>
             </a:fld>
@@ -463,7 +463,7 @@
           <p:cNvPr id="5" name="页脚占位符 4">
             <a:extLst>
               <a:ext uri="{FF2B5EF4-FFF2-40B4-BE49-F238E27FC236}">
-                <a16:creationId xmlns:a16="http://schemas.microsoft.com/office/drawing/2014/main" id="{9E100F42-0796-7637-CFE7-DADEFEC6571C}"/>
+                <a16:creationId xmlns:a16="http://schemas.microsoft.com/office/drawing/2014/main" id="{F479F05E-2B7A-1C8F-CC9E-0820A45CE059}"/>
               </a:ext>
             </a:extLst>
           </p:cNvPr>
@@ -488,7 +488,7 @@
           <p:cNvPr id="6" name="灯片编号占位符 5">
             <a:extLst>
               <a:ext uri="{FF2B5EF4-FFF2-40B4-BE49-F238E27FC236}">
-                <a16:creationId xmlns:a16="http://schemas.microsoft.com/office/drawing/2014/main" id="{7759DB63-7CAB-23D0-AA14-8F697190371D}"/>
+                <a16:creationId xmlns:a16="http://schemas.microsoft.com/office/drawing/2014/main" id="{B567CDA8-4094-8749-C6EF-25FC681E6297}"/>
               </a:ext>
             </a:extLst>
           </p:cNvPr>
@@ -504,7 +504,7 @@
           <a:bodyPr/>
           <a:lstStyle/>
           <a:p>
-            <a:fld id="{AE17E72A-53F7-4717-A9FC-6E06C6FEBEEA}" type="slidenum">
+            <a:fld id="{44C2BB9E-13BF-49D3-962E-21382A8551F2}" type="slidenum">
               <a:rPr lang="zh-CN" altLang="en-US" smtClean="0"/>
               <a:t>‹#›</a:t>
             </a:fld>
@@ -515,7 +515,7 @@
     </p:spTree>
     <p:extLst>
       <p:ext uri="{BB962C8B-B14F-4D97-AF65-F5344CB8AC3E}">
-        <p14:creationId xmlns:p14="http://schemas.microsoft.com/office/powerpoint/2010/main" val="3912815288"/>
+        <p14:creationId xmlns:p14="http://schemas.microsoft.com/office/powerpoint/2010/main" val="73354112"/>
       </p:ext>
     </p:extLst>
   </p:cSld>
@@ -547,7 +547,7 @@
           <p:cNvPr id="2" name="竖排标题 1">
             <a:extLst>
               <a:ext uri="{FF2B5EF4-FFF2-40B4-BE49-F238E27FC236}">
-                <a16:creationId xmlns:a16="http://schemas.microsoft.com/office/drawing/2014/main" id="{9359042A-1D71-CF59-33D5-0C110BAD63E9}"/>
+                <a16:creationId xmlns:a16="http://schemas.microsoft.com/office/drawing/2014/main" id="{8AD37766-EE5F-0086-B589-2D4D52E8EF01}"/>
               </a:ext>
             </a:extLst>
           </p:cNvPr>
@@ -580,7 +580,7 @@
           <p:cNvPr id="3" name="竖排文字占位符 2">
             <a:extLst>
               <a:ext uri="{FF2B5EF4-FFF2-40B4-BE49-F238E27FC236}">
-                <a16:creationId xmlns:a16="http://schemas.microsoft.com/office/drawing/2014/main" id="{62E2CED5-CEAB-24CA-B39F-28D593BE16E1}"/>
+                <a16:creationId xmlns:a16="http://schemas.microsoft.com/office/drawing/2014/main" id="{28023378-8979-41FD-199A-F94EC6DC3ECE}"/>
               </a:ext>
             </a:extLst>
           </p:cNvPr>
@@ -642,7 +642,7 @@
           <p:cNvPr id="4" name="日期占位符 3">
             <a:extLst>
               <a:ext uri="{FF2B5EF4-FFF2-40B4-BE49-F238E27FC236}">
-                <a16:creationId xmlns:a16="http://schemas.microsoft.com/office/drawing/2014/main" id="{A30883FB-3E73-5C61-DF37-A275D5F4434E}"/>
+                <a16:creationId xmlns:a16="http://schemas.microsoft.com/office/drawing/2014/main" id="{31E16E80-67D2-CA2E-6B97-9283B0BD5CE7}"/>
               </a:ext>
             </a:extLst>
           </p:cNvPr>
@@ -658,7 +658,7 @@
           <a:bodyPr/>
           <a:lstStyle/>
           <a:p>
-            <a:fld id="{9C9DD035-994F-444A-A1AE-90834F27C94B}" type="datetimeFigureOut">
+            <a:fld id="{186F5584-0275-48BD-9A95-F23F656AF6FB}" type="datetimeFigureOut">
               <a:rPr lang="zh-CN" altLang="en-US" smtClean="0"/>
               <a:t>2024/3/10</a:t>
             </a:fld>
@@ -671,7 +671,7 @@
           <p:cNvPr id="5" name="页脚占位符 4">
             <a:extLst>
               <a:ext uri="{FF2B5EF4-FFF2-40B4-BE49-F238E27FC236}">
-                <a16:creationId xmlns:a16="http://schemas.microsoft.com/office/drawing/2014/main" id="{FC1AA106-69FE-70E5-534E-2C18BDF26D6B}"/>
+                <a16:creationId xmlns:a16="http://schemas.microsoft.com/office/drawing/2014/main" id="{9D1E661A-E878-0DD1-ADC8-644E84DF7BC0}"/>
               </a:ext>
             </a:extLst>
           </p:cNvPr>
@@ -696,7 +696,7 @@
           <p:cNvPr id="6" name="灯片编号占位符 5">
             <a:extLst>
               <a:ext uri="{FF2B5EF4-FFF2-40B4-BE49-F238E27FC236}">
-                <a16:creationId xmlns:a16="http://schemas.microsoft.com/office/drawing/2014/main" id="{23677E83-477B-504C-FF37-C802BB767484}"/>
+                <a16:creationId xmlns:a16="http://schemas.microsoft.com/office/drawing/2014/main" id="{2D7B1DB8-5013-FA7E-EDBB-07ED86685EC2}"/>
               </a:ext>
             </a:extLst>
           </p:cNvPr>
@@ -712,7 +712,7 @@
           <a:bodyPr/>
           <a:lstStyle/>
           <a:p>
-            <a:fld id="{AE17E72A-53F7-4717-A9FC-6E06C6FEBEEA}" type="slidenum">
+            <a:fld id="{44C2BB9E-13BF-49D3-962E-21382A8551F2}" type="slidenum">
               <a:rPr lang="zh-CN" altLang="en-US" smtClean="0"/>
               <a:t>‹#›</a:t>
             </a:fld>
@@ -723,7 +723,7 @@
     </p:spTree>
     <p:extLst>
       <p:ext uri="{BB962C8B-B14F-4D97-AF65-F5344CB8AC3E}">
-        <p14:creationId xmlns:p14="http://schemas.microsoft.com/office/powerpoint/2010/main" val="2456319335"/>
+        <p14:creationId xmlns:p14="http://schemas.microsoft.com/office/powerpoint/2010/main" val="2860021428"/>
       </p:ext>
     </p:extLst>
   </p:cSld>
@@ -755,7 +755,7 @@
           <p:cNvPr id="2" name="标题 1">
             <a:extLst>
               <a:ext uri="{FF2B5EF4-FFF2-40B4-BE49-F238E27FC236}">
-                <a16:creationId xmlns:a16="http://schemas.microsoft.com/office/drawing/2014/main" id="{3FA46204-BC32-FD0C-4986-36DE96BB1F37}"/>
+                <a16:creationId xmlns:a16="http://schemas.microsoft.com/office/drawing/2014/main" id="{07FB2A97-D27A-55BD-8491-B0E16470D27A}"/>
               </a:ext>
             </a:extLst>
           </p:cNvPr>
@@ -783,7 +783,7 @@
           <p:cNvPr id="3" name="内容占位符 2">
             <a:extLst>
               <a:ext uri="{FF2B5EF4-FFF2-40B4-BE49-F238E27FC236}">
-                <a16:creationId xmlns:a16="http://schemas.microsoft.com/office/drawing/2014/main" id="{5E69D0D7-2AC4-9334-796B-58122FFFF8B2}"/>
+                <a16:creationId xmlns:a16="http://schemas.microsoft.com/office/drawing/2014/main" id="{0864D9EA-8AF6-C17E-552F-38B8148BECB7}"/>
               </a:ext>
             </a:extLst>
           </p:cNvPr>
@@ -840,7 +840,7 @@
           <p:cNvPr id="4" name="日期占位符 3">
             <a:extLst>
               <a:ext uri="{FF2B5EF4-FFF2-40B4-BE49-F238E27FC236}">
-                <a16:creationId xmlns:a16="http://schemas.microsoft.com/office/drawing/2014/main" id="{4EB0DAA8-FDD2-BED9-3EDD-FDE152A34926}"/>
+                <a16:creationId xmlns:a16="http://schemas.microsoft.com/office/drawing/2014/main" id="{90DE7F48-8DFA-FA33-C100-D8904317BEE9}"/>
               </a:ext>
             </a:extLst>
           </p:cNvPr>
@@ -856,7 +856,7 @@
           <a:bodyPr/>
           <a:lstStyle/>
           <a:p>
-            <a:fld id="{9C9DD035-994F-444A-A1AE-90834F27C94B}" type="datetimeFigureOut">
+            <a:fld id="{186F5584-0275-48BD-9A95-F23F656AF6FB}" type="datetimeFigureOut">
               <a:rPr lang="zh-CN" altLang="en-US" smtClean="0"/>
               <a:t>2024/3/10</a:t>
             </a:fld>
@@ -869,7 +869,7 @@
           <p:cNvPr id="5" name="页脚占位符 4">
             <a:extLst>
               <a:ext uri="{FF2B5EF4-FFF2-40B4-BE49-F238E27FC236}">
-                <a16:creationId xmlns:a16="http://schemas.microsoft.com/office/drawing/2014/main" id="{D785898A-7BFC-1BA2-9148-61E6A4E242CF}"/>
+                <a16:creationId xmlns:a16="http://schemas.microsoft.com/office/drawing/2014/main" id="{15E4C107-C649-6733-335A-25CF3C7E8F67}"/>
               </a:ext>
             </a:extLst>
           </p:cNvPr>
@@ -894,7 +894,7 @@
           <p:cNvPr id="6" name="灯片编号占位符 5">
             <a:extLst>
               <a:ext uri="{FF2B5EF4-FFF2-40B4-BE49-F238E27FC236}">
-                <a16:creationId xmlns:a16="http://schemas.microsoft.com/office/drawing/2014/main" id="{DB424279-7A69-0D14-3C4D-A93EA2BE51E6}"/>
+                <a16:creationId xmlns:a16="http://schemas.microsoft.com/office/drawing/2014/main" id="{9FF4D55F-9A51-F498-CEAF-A1AA12F7E4DC}"/>
               </a:ext>
             </a:extLst>
           </p:cNvPr>
@@ -910,7 +910,7 @@
           <a:bodyPr/>
           <a:lstStyle/>
           <a:p>
-            <a:fld id="{AE17E72A-53F7-4717-A9FC-6E06C6FEBEEA}" type="slidenum">
+            <a:fld id="{44C2BB9E-13BF-49D3-962E-21382A8551F2}" type="slidenum">
               <a:rPr lang="zh-CN" altLang="en-US" smtClean="0"/>
               <a:t>‹#›</a:t>
             </a:fld>
@@ -921,7 +921,7 @@
     </p:spTree>
     <p:extLst>
       <p:ext uri="{BB962C8B-B14F-4D97-AF65-F5344CB8AC3E}">
-        <p14:creationId xmlns:p14="http://schemas.microsoft.com/office/powerpoint/2010/main" val="2744121313"/>
+        <p14:creationId xmlns:p14="http://schemas.microsoft.com/office/powerpoint/2010/main" val="2947803730"/>
       </p:ext>
     </p:extLst>
   </p:cSld>
@@ -953,7 +953,7 @@
           <p:cNvPr id="2" name="标题 1">
             <a:extLst>
               <a:ext uri="{FF2B5EF4-FFF2-40B4-BE49-F238E27FC236}">
-                <a16:creationId xmlns:a16="http://schemas.microsoft.com/office/drawing/2014/main" id="{BF914FFB-C48E-B517-DD95-90AA9CA4F36F}"/>
+                <a16:creationId xmlns:a16="http://schemas.microsoft.com/office/drawing/2014/main" id="{21C94F1B-2A98-E08B-DB04-C1195488457E}"/>
               </a:ext>
             </a:extLst>
           </p:cNvPr>
@@ -990,7 +990,7 @@
           <p:cNvPr id="3" name="文本占位符 2">
             <a:extLst>
               <a:ext uri="{FF2B5EF4-FFF2-40B4-BE49-F238E27FC236}">
-                <a16:creationId xmlns:a16="http://schemas.microsoft.com/office/drawing/2014/main" id="{1494C1AD-3602-6F71-D25A-E7C339EEE124}"/>
+                <a16:creationId xmlns:a16="http://schemas.microsoft.com/office/drawing/2014/main" id="{7FB3C052-5023-E4FA-1200-A1BEF3259DFE}"/>
               </a:ext>
             </a:extLst>
           </p:cNvPr>
@@ -1115,7 +1115,7 @@
           <p:cNvPr id="4" name="日期占位符 3">
             <a:extLst>
               <a:ext uri="{FF2B5EF4-FFF2-40B4-BE49-F238E27FC236}">
-                <a16:creationId xmlns:a16="http://schemas.microsoft.com/office/drawing/2014/main" id="{05864855-0622-C8BB-A207-163324ABDA3A}"/>
+                <a16:creationId xmlns:a16="http://schemas.microsoft.com/office/drawing/2014/main" id="{56427A11-F45B-CFB2-A139-07E66FF94ADC}"/>
               </a:ext>
             </a:extLst>
           </p:cNvPr>
@@ -1131,7 +1131,7 @@
           <a:bodyPr/>
           <a:lstStyle/>
           <a:p>
-            <a:fld id="{9C9DD035-994F-444A-A1AE-90834F27C94B}" type="datetimeFigureOut">
+            <a:fld id="{186F5584-0275-48BD-9A95-F23F656AF6FB}" type="datetimeFigureOut">
               <a:rPr lang="zh-CN" altLang="en-US" smtClean="0"/>
               <a:t>2024/3/10</a:t>
             </a:fld>
@@ -1144,7 +1144,7 @@
           <p:cNvPr id="5" name="页脚占位符 4">
             <a:extLst>
               <a:ext uri="{FF2B5EF4-FFF2-40B4-BE49-F238E27FC236}">
-                <a16:creationId xmlns:a16="http://schemas.microsoft.com/office/drawing/2014/main" id="{5EF75944-FC62-3C3B-C9C6-7489B4051A16}"/>
+                <a16:creationId xmlns:a16="http://schemas.microsoft.com/office/drawing/2014/main" id="{3AFB6508-0505-4913-48AF-395BD9F00B60}"/>
               </a:ext>
             </a:extLst>
           </p:cNvPr>
@@ -1169,7 +1169,7 @@
           <p:cNvPr id="6" name="灯片编号占位符 5">
             <a:extLst>
               <a:ext uri="{FF2B5EF4-FFF2-40B4-BE49-F238E27FC236}">
-                <a16:creationId xmlns:a16="http://schemas.microsoft.com/office/drawing/2014/main" id="{2A3417EF-C5E6-424A-E02D-E5A841B77B6C}"/>
+                <a16:creationId xmlns:a16="http://schemas.microsoft.com/office/drawing/2014/main" id="{EEAC0B47-6750-4558-1380-8224CB886A05}"/>
               </a:ext>
             </a:extLst>
           </p:cNvPr>
@@ -1185,7 +1185,7 @@
           <a:bodyPr/>
           <a:lstStyle/>
           <a:p>
-            <a:fld id="{AE17E72A-53F7-4717-A9FC-6E06C6FEBEEA}" type="slidenum">
+            <a:fld id="{44C2BB9E-13BF-49D3-962E-21382A8551F2}" type="slidenum">
               <a:rPr lang="zh-CN" altLang="en-US" smtClean="0"/>
               <a:t>‹#›</a:t>
             </a:fld>
@@ -1196,7 +1196,7 @@
     </p:spTree>
     <p:extLst>
       <p:ext uri="{BB962C8B-B14F-4D97-AF65-F5344CB8AC3E}">
-        <p14:creationId xmlns:p14="http://schemas.microsoft.com/office/powerpoint/2010/main" val="3822196091"/>
+        <p14:creationId xmlns:p14="http://schemas.microsoft.com/office/powerpoint/2010/main" val="1910250734"/>
       </p:ext>
     </p:extLst>
   </p:cSld>
@@ -1228,7 +1228,7 @@
           <p:cNvPr id="2" name="标题 1">
             <a:extLst>
               <a:ext uri="{FF2B5EF4-FFF2-40B4-BE49-F238E27FC236}">
-                <a16:creationId xmlns:a16="http://schemas.microsoft.com/office/drawing/2014/main" id="{049CFF9F-E645-ACA3-34E3-797DC4561EA1}"/>
+                <a16:creationId xmlns:a16="http://schemas.microsoft.com/office/drawing/2014/main" id="{A2DC3256-6670-DC40-E566-D741C32498BF}"/>
               </a:ext>
             </a:extLst>
           </p:cNvPr>
@@ -1256,7 +1256,7 @@
           <p:cNvPr id="3" name="内容占位符 2">
             <a:extLst>
               <a:ext uri="{FF2B5EF4-FFF2-40B4-BE49-F238E27FC236}">
-                <a16:creationId xmlns:a16="http://schemas.microsoft.com/office/drawing/2014/main" id="{2044BC0A-EBE2-678C-E718-59FAB22BB10A}"/>
+                <a16:creationId xmlns:a16="http://schemas.microsoft.com/office/drawing/2014/main" id="{E1A76F38-3B62-51F9-F82F-D6A9467542A2}"/>
               </a:ext>
             </a:extLst>
           </p:cNvPr>
@@ -1318,7 +1318,7 @@
           <p:cNvPr id="4" name="内容占位符 3">
             <a:extLst>
               <a:ext uri="{FF2B5EF4-FFF2-40B4-BE49-F238E27FC236}">
-                <a16:creationId xmlns:a16="http://schemas.microsoft.com/office/drawing/2014/main" id="{433F0CBD-14BE-9148-2E6A-1FDEC236C925}"/>
+                <a16:creationId xmlns:a16="http://schemas.microsoft.com/office/drawing/2014/main" id="{B0A5F016-36FC-D709-B2EE-8405741A1C2C}"/>
               </a:ext>
             </a:extLst>
           </p:cNvPr>
@@ -1380,7 +1380,7 @@
           <p:cNvPr id="5" name="日期占位符 4">
             <a:extLst>
               <a:ext uri="{FF2B5EF4-FFF2-40B4-BE49-F238E27FC236}">
-                <a16:creationId xmlns:a16="http://schemas.microsoft.com/office/drawing/2014/main" id="{64BD6977-8648-4AC7-9061-92E751D58898}"/>
+                <a16:creationId xmlns:a16="http://schemas.microsoft.com/office/drawing/2014/main" id="{8F8A4E86-3F79-A4A6-C6EF-CDD064AF68B3}"/>
               </a:ext>
             </a:extLst>
           </p:cNvPr>
@@ -1396,7 +1396,7 @@
           <a:bodyPr/>
           <a:lstStyle/>
           <a:p>
-            <a:fld id="{9C9DD035-994F-444A-A1AE-90834F27C94B}" type="datetimeFigureOut">
+            <a:fld id="{186F5584-0275-48BD-9A95-F23F656AF6FB}" type="datetimeFigureOut">
               <a:rPr lang="zh-CN" altLang="en-US" smtClean="0"/>
               <a:t>2024/3/10</a:t>
             </a:fld>
@@ -1409,7 +1409,7 @@
           <p:cNvPr id="6" name="页脚占位符 5">
             <a:extLst>
               <a:ext uri="{FF2B5EF4-FFF2-40B4-BE49-F238E27FC236}">
-                <a16:creationId xmlns:a16="http://schemas.microsoft.com/office/drawing/2014/main" id="{3505788A-ABF4-B05C-409E-A0BD039C65D0}"/>
+                <a16:creationId xmlns:a16="http://schemas.microsoft.com/office/drawing/2014/main" id="{3C3B938B-2189-B790-1F40-ECFAADF00963}"/>
               </a:ext>
             </a:extLst>
           </p:cNvPr>
@@ -1434,7 +1434,7 @@
           <p:cNvPr id="7" name="灯片编号占位符 6">
             <a:extLst>
               <a:ext uri="{FF2B5EF4-FFF2-40B4-BE49-F238E27FC236}">
-                <a16:creationId xmlns:a16="http://schemas.microsoft.com/office/drawing/2014/main" id="{4C469A01-27BF-54BF-040C-25DCE200FEC3}"/>
+                <a16:creationId xmlns:a16="http://schemas.microsoft.com/office/drawing/2014/main" id="{FF4F40DA-C80A-5062-12FA-F04AD0DEF682}"/>
               </a:ext>
             </a:extLst>
           </p:cNvPr>
@@ -1450,7 +1450,7 @@
           <a:bodyPr/>
           <a:lstStyle/>
           <a:p>
-            <a:fld id="{AE17E72A-53F7-4717-A9FC-6E06C6FEBEEA}" type="slidenum">
+            <a:fld id="{44C2BB9E-13BF-49D3-962E-21382A8551F2}" type="slidenum">
               <a:rPr lang="zh-CN" altLang="en-US" smtClean="0"/>
               <a:t>‹#›</a:t>
             </a:fld>
@@ -1461,7 +1461,7 @@
     </p:spTree>
     <p:extLst>
       <p:ext uri="{BB962C8B-B14F-4D97-AF65-F5344CB8AC3E}">
-        <p14:creationId xmlns:p14="http://schemas.microsoft.com/office/powerpoint/2010/main" val="56857054"/>
+        <p14:creationId xmlns:p14="http://schemas.microsoft.com/office/powerpoint/2010/main" val="3292427715"/>
       </p:ext>
     </p:extLst>
   </p:cSld>
@@ -1493,7 +1493,7 @@
           <p:cNvPr id="2" name="标题 1">
             <a:extLst>
               <a:ext uri="{FF2B5EF4-FFF2-40B4-BE49-F238E27FC236}">
-                <a16:creationId xmlns:a16="http://schemas.microsoft.com/office/drawing/2014/main" id="{F1A820C6-CD72-D851-31B1-1CA75320BC8E}"/>
+                <a16:creationId xmlns:a16="http://schemas.microsoft.com/office/drawing/2014/main" id="{2982AA36-853B-01C0-0ADB-CDC81D308C33}"/>
               </a:ext>
             </a:extLst>
           </p:cNvPr>
@@ -1526,7 +1526,7 @@
           <p:cNvPr id="3" name="文本占位符 2">
             <a:extLst>
               <a:ext uri="{FF2B5EF4-FFF2-40B4-BE49-F238E27FC236}">
-                <a16:creationId xmlns:a16="http://schemas.microsoft.com/office/drawing/2014/main" id="{135D742F-D0B4-5A6E-B5D3-C8C83CF82D55}"/>
+                <a16:creationId xmlns:a16="http://schemas.microsoft.com/office/drawing/2014/main" id="{12E644D9-DBBB-B543-9A30-553DBC60361F}"/>
               </a:ext>
             </a:extLst>
           </p:cNvPr>
@@ -1597,7 +1597,7 @@
           <p:cNvPr id="4" name="内容占位符 3">
             <a:extLst>
               <a:ext uri="{FF2B5EF4-FFF2-40B4-BE49-F238E27FC236}">
-                <a16:creationId xmlns:a16="http://schemas.microsoft.com/office/drawing/2014/main" id="{CD9E06F3-7B94-93E5-256E-818ABF336A3E}"/>
+                <a16:creationId xmlns:a16="http://schemas.microsoft.com/office/drawing/2014/main" id="{0B79BA61-BC21-1E30-58E6-E6F68339D382}"/>
               </a:ext>
             </a:extLst>
           </p:cNvPr>
@@ -1659,7 +1659,7 @@
           <p:cNvPr id="5" name="文本占位符 4">
             <a:extLst>
               <a:ext uri="{FF2B5EF4-FFF2-40B4-BE49-F238E27FC236}">
-                <a16:creationId xmlns:a16="http://schemas.microsoft.com/office/drawing/2014/main" id="{64280CC1-F41B-2ABA-9E30-796A272A4410}"/>
+                <a16:creationId xmlns:a16="http://schemas.microsoft.com/office/drawing/2014/main" id="{E201D3D0-BF6E-9B72-6A7F-660B78FFEFAC}"/>
               </a:ext>
             </a:extLst>
           </p:cNvPr>
@@ -1730,7 +1730,7 @@
           <p:cNvPr id="6" name="内容占位符 5">
             <a:extLst>
               <a:ext uri="{FF2B5EF4-FFF2-40B4-BE49-F238E27FC236}">
-                <a16:creationId xmlns:a16="http://schemas.microsoft.com/office/drawing/2014/main" id="{ED5BF455-410E-892F-3A5D-C800FF44021F}"/>
+                <a16:creationId xmlns:a16="http://schemas.microsoft.com/office/drawing/2014/main" id="{EC2113E7-07F8-C489-B7C4-C814A0D2597B}"/>
               </a:ext>
             </a:extLst>
           </p:cNvPr>
@@ -1792,7 +1792,7 @@
           <p:cNvPr id="7" name="日期占位符 6">
             <a:extLst>
               <a:ext uri="{FF2B5EF4-FFF2-40B4-BE49-F238E27FC236}">
-                <a16:creationId xmlns:a16="http://schemas.microsoft.com/office/drawing/2014/main" id="{4FDE2E2D-847A-050B-7F2B-A023710529A9}"/>
+                <a16:creationId xmlns:a16="http://schemas.microsoft.com/office/drawing/2014/main" id="{65EA7EA2-073E-8556-59B9-451C3B0DB7E9}"/>
               </a:ext>
             </a:extLst>
           </p:cNvPr>
@@ -1808,7 +1808,7 @@
           <a:bodyPr/>
           <a:lstStyle/>
           <a:p>
-            <a:fld id="{9C9DD035-994F-444A-A1AE-90834F27C94B}" type="datetimeFigureOut">
+            <a:fld id="{186F5584-0275-48BD-9A95-F23F656AF6FB}" type="datetimeFigureOut">
               <a:rPr lang="zh-CN" altLang="en-US" smtClean="0"/>
               <a:t>2024/3/10</a:t>
             </a:fld>
@@ -1821,7 +1821,7 @@
           <p:cNvPr id="8" name="页脚占位符 7">
             <a:extLst>
               <a:ext uri="{FF2B5EF4-FFF2-40B4-BE49-F238E27FC236}">
-                <a16:creationId xmlns:a16="http://schemas.microsoft.com/office/drawing/2014/main" id="{BDAE4D39-5ACA-F73F-AE5A-E296772C46FD}"/>
+                <a16:creationId xmlns:a16="http://schemas.microsoft.com/office/drawing/2014/main" id="{F3F01C19-5925-E1D9-EE66-2CA8FD4CA10B}"/>
               </a:ext>
             </a:extLst>
           </p:cNvPr>
@@ -1846,7 +1846,7 @@
           <p:cNvPr id="9" name="灯片编号占位符 8">
             <a:extLst>
               <a:ext uri="{FF2B5EF4-FFF2-40B4-BE49-F238E27FC236}">
-                <a16:creationId xmlns:a16="http://schemas.microsoft.com/office/drawing/2014/main" id="{89ED350A-70F3-619B-6969-53BAF8E78C81}"/>
+                <a16:creationId xmlns:a16="http://schemas.microsoft.com/office/drawing/2014/main" id="{2E7ADF92-AB07-CFE5-8F37-D1AEE24E1CA1}"/>
               </a:ext>
             </a:extLst>
           </p:cNvPr>
@@ -1862,7 +1862,7 @@
           <a:bodyPr/>
           <a:lstStyle/>
           <a:p>
-            <a:fld id="{AE17E72A-53F7-4717-A9FC-6E06C6FEBEEA}" type="slidenum">
+            <a:fld id="{44C2BB9E-13BF-49D3-962E-21382A8551F2}" type="slidenum">
               <a:rPr lang="zh-CN" altLang="en-US" smtClean="0"/>
               <a:t>‹#›</a:t>
             </a:fld>
@@ -1873,7 +1873,7 @@
     </p:spTree>
     <p:extLst>
       <p:ext uri="{BB962C8B-B14F-4D97-AF65-F5344CB8AC3E}">
-        <p14:creationId xmlns:p14="http://schemas.microsoft.com/office/powerpoint/2010/main" val="563915270"/>
+        <p14:creationId xmlns:p14="http://schemas.microsoft.com/office/powerpoint/2010/main" val="1114086217"/>
       </p:ext>
     </p:extLst>
   </p:cSld>
@@ -1905,7 +1905,7 @@
           <p:cNvPr id="2" name="标题 1">
             <a:extLst>
               <a:ext uri="{FF2B5EF4-FFF2-40B4-BE49-F238E27FC236}">
-                <a16:creationId xmlns:a16="http://schemas.microsoft.com/office/drawing/2014/main" id="{61C3A31D-5473-42C6-7359-0FE22ED24734}"/>
+                <a16:creationId xmlns:a16="http://schemas.microsoft.com/office/drawing/2014/main" id="{52152778-F3F2-4EF6-9FE2-B17366E4D8C1}"/>
               </a:ext>
             </a:extLst>
           </p:cNvPr>
@@ -1933,7 +1933,7 @@
           <p:cNvPr id="3" name="日期占位符 2">
             <a:extLst>
               <a:ext uri="{FF2B5EF4-FFF2-40B4-BE49-F238E27FC236}">
-                <a16:creationId xmlns:a16="http://schemas.microsoft.com/office/drawing/2014/main" id="{A9D478E0-CF31-27C2-CF4E-875522AB6794}"/>
+                <a16:creationId xmlns:a16="http://schemas.microsoft.com/office/drawing/2014/main" id="{47562415-998B-309C-9F24-68C7AB8A303E}"/>
               </a:ext>
             </a:extLst>
           </p:cNvPr>
@@ -1949,7 +1949,7 @@
           <a:bodyPr/>
           <a:lstStyle/>
           <a:p>
-            <a:fld id="{9C9DD035-994F-444A-A1AE-90834F27C94B}" type="datetimeFigureOut">
+            <a:fld id="{186F5584-0275-48BD-9A95-F23F656AF6FB}" type="datetimeFigureOut">
               <a:rPr lang="zh-CN" altLang="en-US" smtClean="0"/>
               <a:t>2024/3/10</a:t>
             </a:fld>
@@ -1962,7 +1962,7 @@
           <p:cNvPr id="4" name="页脚占位符 3">
             <a:extLst>
               <a:ext uri="{FF2B5EF4-FFF2-40B4-BE49-F238E27FC236}">
-                <a16:creationId xmlns:a16="http://schemas.microsoft.com/office/drawing/2014/main" id="{C8B7CD6E-D938-04AA-EF59-09405486DB87}"/>
+                <a16:creationId xmlns:a16="http://schemas.microsoft.com/office/drawing/2014/main" id="{341E5F6C-786E-5404-58C9-1BA10EFC478D}"/>
               </a:ext>
             </a:extLst>
           </p:cNvPr>
@@ -1987,7 +1987,7 @@
           <p:cNvPr id="5" name="灯片编号占位符 4">
             <a:extLst>
               <a:ext uri="{FF2B5EF4-FFF2-40B4-BE49-F238E27FC236}">
-                <a16:creationId xmlns:a16="http://schemas.microsoft.com/office/drawing/2014/main" id="{0A023A4A-D931-C01B-4B10-CE6F22DA4FD8}"/>
+                <a16:creationId xmlns:a16="http://schemas.microsoft.com/office/drawing/2014/main" id="{61EB3D91-A32A-774D-BB64-338DD2C27CDB}"/>
               </a:ext>
             </a:extLst>
           </p:cNvPr>
@@ -2003,7 +2003,7 @@
           <a:bodyPr/>
           <a:lstStyle/>
           <a:p>
-            <a:fld id="{AE17E72A-53F7-4717-A9FC-6E06C6FEBEEA}" type="slidenum">
+            <a:fld id="{44C2BB9E-13BF-49D3-962E-21382A8551F2}" type="slidenum">
               <a:rPr lang="zh-CN" altLang="en-US" smtClean="0"/>
               <a:t>‹#›</a:t>
             </a:fld>
@@ -2014,7 +2014,7 @@
     </p:spTree>
     <p:extLst>
       <p:ext uri="{BB962C8B-B14F-4D97-AF65-F5344CB8AC3E}">
-        <p14:creationId xmlns:p14="http://schemas.microsoft.com/office/powerpoint/2010/main" val="1430531165"/>
+        <p14:creationId xmlns:p14="http://schemas.microsoft.com/office/powerpoint/2010/main" val="3921181573"/>
       </p:ext>
     </p:extLst>
   </p:cSld>
@@ -2046,7 +2046,7 @@
           <p:cNvPr id="2" name="日期占位符 1">
             <a:extLst>
               <a:ext uri="{FF2B5EF4-FFF2-40B4-BE49-F238E27FC236}">
-                <a16:creationId xmlns:a16="http://schemas.microsoft.com/office/drawing/2014/main" id="{5749E1E9-86CB-3DFC-9639-1CF33F624B75}"/>
+                <a16:creationId xmlns:a16="http://schemas.microsoft.com/office/drawing/2014/main" id="{A0A4A336-FF51-DD6F-11B9-422C1BABC8DD}"/>
               </a:ext>
             </a:extLst>
           </p:cNvPr>
@@ -2062,7 +2062,7 @@
           <a:bodyPr/>
           <a:lstStyle/>
           <a:p>
-            <a:fld id="{9C9DD035-994F-444A-A1AE-90834F27C94B}" type="datetimeFigureOut">
+            <a:fld id="{186F5584-0275-48BD-9A95-F23F656AF6FB}" type="datetimeFigureOut">
               <a:rPr lang="zh-CN" altLang="en-US" smtClean="0"/>
               <a:t>2024/3/10</a:t>
             </a:fld>
@@ -2075,7 +2075,7 @@
           <p:cNvPr id="3" name="页脚占位符 2">
             <a:extLst>
               <a:ext uri="{FF2B5EF4-FFF2-40B4-BE49-F238E27FC236}">
-                <a16:creationId xmlns:a16="http://schemas.microsoft.com/office/drawing/2014/main" id="{20B366A0-5162-DA1F-98E1-A6D13EC9739F}"/>
+                <a16:creationId xmlns:a16="http://schemas.microsoft.com/office/drawing/2014/main" id="{E99BDC2D-9C7C-6FCE-B101-DE6C943AD3C2}"/>
               </a:ext>
             </a:extLst>
           </p:cNvPr>
@@ -2100,7 +2100,7 @@
           <p:cNvPr id="4" name="灯片编号占位符 3">
             <a:extLst>
               <a:ext uri="{FF2B5EF4-FFF2-40B4-BE49-F238E27FC236}">
-                <a16:creationId xmlns:a16="http://schemas.microsoft.com/office/drawing/2014/main" id="{9AE846D1-45D7-BA61-40D3-C9F7F662DC52}"/>
+                <a16:creationId xmlns:a16="http://schemas.microsoft.com/office/drawing/2014/main" id="{94F32C90-B0EC-EE20-E815-6D416F107E07}"/>
               </a:ext>
             </a:extLst>
           </p:cNvPr>
@@ -2116,7 +2116,7 @@
           <a:bodyPr/>
           <a:lstStyle/>
           <a:p>
-            <a:fld id="{AE17E72A-53F7-4717-A9FC-6E06C6FEBEEA}" type="slidenum">
+            <a:fld id="{44C2BB9E-13BF-49D3-962E-21382A8551F2}" type="slidenum">
               <a:rPr lang="zh-CN" altLang="en-US" smtClean="0"/>
               <a:t>‹#›</a:t>
             </a:fld>
@@ -2127,7 +2127,7 @@
     </p:spTree>
     <p:extLst>
       <p:ext uri="{BB962C8B-B14F-4D97-AF65-F5344CB8AC3E}">
-        <p14:creationId xmlns:p14="http://schemas.microsoft.com/office/powerpoint/2010/main" val="3797422488"/>
+        <p14:creationId xmlns:p14="http://schemas.microsoft.com/office/powerpoint/2010/main" val="1200198140"/>
       </p:ext>
     </p:extLst>
   </p:cSld>
@@ -2159,7 +2159,7 @@
           <p:cNvPr id="2" name="标题 1">
             <a:extLst>
               <a:ext uri="{FF2B5EF4-FFF2-40B4-BE49-F238E27FC236}">
-                <a16:creationId xmlns:a16="http://schemas.microsoft.com/office/drawing/2014/main" id="{62E7BF92-3CE7-1D7C-0D79-055FCB580FEF}"/>
+                <a16:creationId xmlns:a16="http://schemas.microsoft.com/office/drawing/2014/main" id="{1D383A19-4C96-1D8C-8AD5-929B452D5840}"/>
               </a:ext>
             </a:extLst>
           </p:cNvPr>
@@ -2196,7 +2196,7 @@
           <p:cNvPr id="3" name="内容占位符 2">
             <a:extLst>
               <a:ext uri="{FF2B5EF4-FFF2-40B4-BE49-F238E27FC236}">
-                <a16:creationId xmlns:a16="http://schemas.microsoft.com/office/drawing/2014/main" id="{6650F611-40DB-462B-BE37-3078489072A1}"/>
+                <a16:creationId xmlns:a16="http://schemas.microsoft.com/office/drawing/2014/main" id="{F1A16A2B-FFDE-8882-368F-51CB46966FE0}"/>
               </a:ext>
             </a:extLst>
           </p:cNvPr>
@@ -2286,7 +2286,7 @@
           <p:cNvPr id="4" name="文本占位符 3">
             <a:extLst>
               <a:ext uri="{FF2B5EF4-FFF2-40B4-BE49-F238E27FC236}">
-                <a16:creationId xmlns:a16="http://schemas.microsoft.com/office/drawing/2014/main" id="{9D328F38-E262-A990-86AB-34CE38185E0E}"/>
+                <a16:creationId xmlns:a16="http://schemas.microsoft.com/office/drawing/2014/main" id="{66ED5A7D-A9D3-FCA7-4DF1-D38EA3FB85CA}"/>
               </a:ext>
             </a:extLst>
           </p:cNvPr>
@@ -2357,7 +2357,7 @@
           <p:cNvPr id="5" name="日期占位符 4">
             <a:extLst>
               <a:ext uri="{FF2B5EF4-FFF2-40B4-BE49-F238E27FC236}">
-                <a16:creationId xmlns:a16="http://schemas.microsoft.com/office/drawing/2014/main" id="{FF6531F7-9143-E232-F099-436E1C1C8AFE}"/>
+                <a16:creationId xmlns:a16="http://schemas.microsoft.com/office/drawing/2014/main" id="{C7DF1855-1FBC-AE6D-8C84-B85189729016}"/>
               </a:ext>
             </a:extLst>
           </p:cNvPr>
@@ -2373,7 +2373,7 @@
           <a:bodyPr/>
           <a:lstStyle/>
           <a:p>
-            <a:fld id="{9C9DD035-994F-444A-A1AE-90834F27C94B}" type="datetimeFigureOut">
+            <a:fld id="{186F5584-0275-48BD-9A95-F23F656AF6FB}" type="datetimeFigureOut">
               <a:rPr lang="zh-CN" altLang="en-US" smtClean="0"/>
               <a:t>2024/3/10</a:t>
             </a:fld>
@@ -2386,7 +2386,7 @@
           <p:cNvPr id="6" name="页脚占位符 5">
             <a:extLst>
               <a:ext uri="{FF2B5EF4-FFF2-40B4-BE49-F238E27FC236}">
-                <a16:creationId xmlns:a16="http://schemas.microsoft.com/office/drawing/2014/main" id="{512A70DB-8BA9-6BB5-40F0-2CA8F03FD0EB}"/>
+                <a16:creationId xmlns:a16="http://schemas.microsoft.com/office/drawing/2014/main" id="{A86891BF-E396-1A0A-ABE5-CFB0CE364D62}"/>
               </a:ext>
             </a:extLst>
           </p:cNvPr>
@@ -2411,7 +2411,7 @@
           <p:cNvPr id="7" name="灯片编号占位符 6">
             <a:extLst>
               <a:ext uri="{FF2B5EF4-FFF2-40B4-BE49-F238E27FC236}">
-                <a16:creationId xmlns:a16="http://schemas.microsoft.com/office/drawing/2014/main" id="{CAF23DBD-3BDE-B380-B856-0EAEE0CACEA6}"/>
+                <a16:creationId xmlns:a16="http://schemas.microsoft.com/office/drawing/2014/main" id="{79C0F3DD-1A42-4330-30E9-11FE9457ACE2}"/>
               </a:ext>
             </a:extLst>
           </p:cNvPr>
@@ -2427,7 +2427,7 @@
           <a:bodyPr/>
           <a:lstStyle/>
           <a:p>
-            <a:fld id="{AE17E72A-53F7-4717-A9FC-6E06C6FEBEEA}" type="slidenum">
+            <a:fld id="{44C2BB9E-13BF-49D3-962E-21382A8551F2}" type="slidenum">
               <a:rPr lang="zh-CN" altLang="en-US" smtClean="0"/>
               <a:t>‹#›</a:t>
             </a:fld>
@@ -2438,7 +2438,7 @@
     </p:spTree>
     <p:extLst>
       <p:ext uri="{BB962C8B-B14F-4D97-AF65-F5344CB8AC3E}">
-        <p14:creationId xmlns:p14="http://schemas.microsoft.com/office/powerpoint/2010/main" val="866014647"/>
+        <p14:creationId xmlns:p14="http://schemas.microsoft.com/office/powerpoint/2010/main" val="1762262130"/>
       </p:ext>
     </p:extLst>
   </p:cSld>
@@ -2470,7 +2470,7 @@
           <p:cNvPr id="2" name="标题 1">
             <a:extLst>
               <a:ext uri="{FF2B5EF4-FFF2-40B4-BE49-F238E27FC236}">
-                <a16:creationId xmlns:a16="http://schemas.microsoft.com/office/drawing/2014/main" id="{D808BE52-852D-1E61-8603-7472E0CDDFBC}"/>
+                <a16:creationId xmlns:a16="http://schemas.microsoft.com/office/drawing/2014/main" id="{9FD6D04C-D33F-5EF9-7716-792E4E9BCEA6}"/>
               </a:ext>
             </a:extLst>
           </p:cNvPr>
@@ -2507,7 +2507,7 @@
           <p:cNvPr id="3" name="图片占位符 2">
             <a:extLst>
               <a:ext uri="{FF2B5EF4-FFF2-40B4-BE49-F238E27FC236}">
-                <a16:creationId xmlns:a16="http://schemas.microsoft.com/office/drawing/2014/main" id="{0508C700-27CA-08B0-40A6-4DC1CBF4A530}"/>
+                <a16:creationId xmlns:a16="http://schemas.microsoft.com/office/drawing/2014/main" id="{A5A99A5C-C9D4-7B3F-4066-7B2C690A47E4}"/>
               </a:ext>
             </a:extLst>
           </p:cNvPr>
@@ -2574,7 +2574,7 @@
           <p:cNvPr id="4" name="文本占位符 3">
             <a:extLst>
               <a:ext uri="{FF2B5EF4-FFF2-40B4-BE49-F238E27FC236}">
-                <a16:creationId xmlns:a16="http://schemas.microsoft.com/office/drawing/2014/main" id="{F7FA920C-6891-852E-85BA-1B10109F06C2}"/>
+                <a16:creationId xmlns:a16="http://schemas.microsoft.com/office/drawing/2014/main" id="{2CB01E9A-121A-7D08-7458-AFFBBAC3CDB7}"/>
               </a:ext>
             </a:extLst>
           </p:cNvPr>
@@ -2645,7 +2645,7 @@
           <p:cNvPr id="5" name="日期占位符 4">
             <a:extLst>
               <a:ext uri="{FF2B5EF4-FFF2-40B4-BE49-F238E27FC236}">
-                <a16:creationId xmlns:a16="http://schemas.microsoft.com/office/drawing/2014/main" id="{A19C03F2-5EAE-0295-8FF5-AF0D59242380}"/>
+                <a16:creationId xmlns:a16="http://schemas.microsoft.com/office/drawing/2014/main" id="{6C589A6B-FF0E-DB68-811F-E4E7BAFE7F78}"/>
               </a:ext>
             </a:extLst>
           </p:cNvPr>
@@ -2661,7 +2661,7 @@
           <a:bodyPr/>
           <a:lstStyle/>
           <a:p>
-            <a:fld id="{9C9DD035-994F-444A-A1AE-90834F27C94B}" type="datetimeFigureOut">
+            <a:fld id="{186F5584-0275-48BD-9A95-F23F656AF6FB}" type="datetimeFigureOut">
               <a:rPr lang="zh-CN" altLang="en-US" smtClean="0"/>
               <a:t>2024/3/10</a:t>
             </a:fld>
@@ -2674,7 +2674,7 @@
           <p:cNvPr id="6" name="页脚占位符 5">
             <a:extLst>
               <a:ext uri="{FF2B5EF4-FFF2-40B4-BE49-F238E27FC236}">
-                <a16:creationId xmlns:a16="http://schemas.microsoft.com/office/drawing/2014/main" id="{E8BD4BE6-40C6-3A2C-9B95-2D05AD50E575}"/>
+                <a16:creationId xmlns:a16="http://schemas.microsoft.com/office/drawing/2014/main" id="{C8C5F954-C70C-C462-2019-C0A946E9054C}"/>
               </a:ext>
             </a:extLst>
           </p:cNvPr>
@@ -2699,7 +2699,7 @@
           <p:cNvPr id="7" name="灯片编号占位符 6">
             <a:extLst>
               <a:ext uri="{FF2B5EF4-FFF2-40B4-BE49-F238E27FC236}">
-                <a16:creationId xmlns:a16="http://schemas.microsoft.com/office/drawing/2014/main" id="{CA0F3E20-EBC9-ABF8-1409-59C2ED9EF9FB}"/>
+                <a16:creationId xmlns:a16="http://schemas.microsoft.com/office/drawing/2014/main" id="{5678083F-083E-261C-B690-C44557EC8727}"/>
               </a:ext>
             </a:extLst>
           </p:cNvPr>
@@ -2715,7 +2715,7 @@
           <a:bodyPr/>
           <a:lstStyle/>
           <a:p>
-            <a:fld id="{AE17E72A-53F7-4717-A9FC-6E06C6FEBEEA}" type="slidenum">
+            <a:fld id="{44C2BB9E-13BF-49D3-962E-21382A8551F2}" type="slidenum">
               <a:rPr lang="zh-CN" altLang="en-US" smtClean="0"/>
               <a:t>‹#›</a:t>
             </a:fld>
@@ -2726,7 +2726,7 @@
     </p:spTree>
     <p:extLst>
       <p:ext uri="{BB962C8B-B14F-4D97-AF65-F5344CB8AC3E}">
-        <p14:creationId xmlns:p14="http://schemas.microsoft.com/office/powerpoint/2010/main" val="914231494"/>
+        <p14:creationId xmlns:p14="http://schemas.microsoft.com/office/powerpoint/2010/main" val="2423012167"/>
       </p:ext>
     </p:extLst>
   </p:cSld>
@@ -2763,7 +2763,7 @@
           <p:cNvPr id="2" name="标题占位符 1">
             <a:extLst>
               <a:ext uri="{FF2B5EF4-FFF2-40B4-BE49-F238E27FC236}">
-                <a16:creationId xmlns:a16="http://schemas.microsoft.com/office/drawing/2014/main" id="{E56212D1-86E1-5FF5-4D7F-7BDB65CD33F1}"/>
+                <a16:creationId xmlns:a16="http://schemas.microsoft.com/office/drawing/2014/main" id="{BDFAB78C-A537-B697-512F-9E1F53F6ECE2}"/>
               </a:ext>
             </a:extLst>
           </p:cNvPr>
@@ -2801,7 +2801,7 @@
           <p:cNvPr id="3" name="文本占位符 2">
             <a:extLst>
               <a:ext uri="{FF2B5EF4-FFF2-40B4-BE49-F238E27FC236}">
-                <a16:creationId xmlns:a16="http://schemas.microsoft.com/office/drawing/2014/main" id="{CFED122F-9C22-A059-8AE7-D64FB35CE396}"/>
+                <a16:creationId xmlns:a16="http://schemas.microsoft.com/office/drawing/2014/main" id="{E67051C9-CFD1-2FE5-FD67-DA439B6C1FDE}"/>
               </a:ext>
             </a:extLst>
           </p:cNvPr>
@@ -2868,7 +2868,7 @@
           <p:cNvPr id="4" name="日期占位符 3">
             <a:extLst>
               <a:ext uri="{FF2B5EF4-FFF2-40B4-BE49-F238E27FC236}">
-                <a16:creationId xmlns:a16="http://schemas.microsoft.com/office/drawing/2014/main" id="{41113E45-6DBC-E27F-024C-D34FEA5988C4}"/>
+                <a16:creationId xmlns:a16="http://schemas.microsoft.com/office/drawing/2014/main" id="{4AF94BBE-F5F9-3F00-2CDC-975E66F97E2B}"/>
               </a:ext>
             </a:extLst>
           </p:cNvPr>
@@ -2902,7 +2902,7 @@
             </a:lvl1pPr>
           </a:lstStyle>
           <a:p>
-            <a:fld id="{9C9DD035-994F-444A-A1AE-90834F27C94B}" type="datetimeFigureOut">
+            <a:fld id="{186F5584-0275-48BD-9A95-F23F656AF6FB}" type="datetimeFigureOut">
               <a:rPr lang="zh-CN" altLang="en-US" smtClean="0"/>
               <a:t>2024/3/10</a:t>
             </a:fld>
@@ -2915,7 +2915,7 @@
           <p:cNvPr id="5" name="页脚占位符 4">
             <a:extLst>
               <a:ext uri="{FF2B5EF4-FFF2-40B4-BE49-F238E27FC236}">
-                <a16:creationId xmlns:a16="http://schemas.microsoft.com/office/drawing/2014/main" id="{51890738-A68F-CB09-7C8E-26B97DCF9151}"/>
+                <a16:creationId xmlns:a16="http://schemas.microsoft.com/office/drawing/2014/main" id="{01FB2F57-E54D-81D4-C0D4-2C0DDF8793A5}"/>
               </a:ext>
             </a:extLst>
           </p:cNvPr>
@@ -2958,7 +2958,7 @@
           <p:cNvPr id="6" name="灯片编号占位符 5">
             <a:extLst>
               <a:ext uri="{FF2B5EF4-FFF2-40B4-BE49-F238E27FC236}">
-                <a16:creationId xmlns:a16="http://schemas.microsoft.com/office/drawing/2014/main" id="{D7A76965-9BAD-C56E-B8C6-65E9E6204846}"/>
+                <a16:creationId xmlns:a16="http://schemas.microsoft.com/office/drawing/2014/main" id="{9D475D4A-4A7B-3AE3-D76E-10B65A92B73D}"/>
               </a:ext>
             </a:extLst>
           </p:cNvPr>
@@ -2992,7 +2992,7 @@
             </a:lvl1pPr>
           </a:lstStyle>
           <a:p>
-            <a:fld id="{AE17E72A-53F7-4717-A9FC-6E06C6FEBEEA}" type="slidenum">
+            <a:fld id="{44C2BB9E-13BF-49D3-962E-21382A8551F2}" type="slidenum">
               <a:rPr lang="zh-CN" altLang="en-US" smtClean="0"/>
               <a:t>‹#›</a:t>
             </a:fld>
@@ -3003,7 +3003,7 @@
     </p:spTree>
     <p:extLst>
       <p:ext uri="{BB962C8B-B14F-4D97-AF65-F5344CB8AC3E}">
-        <p14:creationId xmlns:p14="http://schemas.microsoft.com/office/powerpoint/2010/main" val="1514754576"/>
+        <p14:creationId xmlns:p14="http://schemas.microsoft.com/office/powerpoint/2010/main" val="1168027486"/>
       </p:ext>
     </p:extLst>
   </p:cSld>
